--- a/Schéma éléctrique.pptx
+++ b/Schéma éléctrique.pptx
@@ -7330,20 +7330,20 @@
           </p:cNvPr>
           <p:cNvCxnSpPr>
             <a:cxnSpLocks/>
-            <a:stCxn id="230" idx="1"/>
-            <a:endCxn id="81" idx="3"/>
+            <a:stCxn id="81" idx="3"/>
+            <a:endCxn id="230" idx="1"/>
           </p:cNvCxnSpPr>
           <p:nvPr/>
         </p:nvCxnSpPr>
         <p:spPr>
-          <a:xfrm rot="5400000" flipH="1" flipV="1">
-            <a:off x="6054652" y="3687922"/>
-            <a:ext cx="814419" cy="98272"/>
+          <a:xfrm flipH="1">
+            <a:off x="6412725" y="3329848"/>
+            <a:ext cx="98272" cy="814419"/>
           </a:xfrm>
           <a:prstGeom prst="bentConnector4">
             <a:avLst>
-              <a:gd name="adj1" fmla="val 28736"/>
-              <a:gd name="adj2" fmla="val 536725"/>
+              <a:gd name="adj1" fmla="val -448731"/>
+              <a:gd name="adj2" fmla="val 70022"/>
             </a:avLst>
           </a:prstGeom>
           <a:ln w="25400">
@@ -7646,6 +7646,45 @@
           </p:txBody>
         </p:sp>
       </p:grpSp>
+      <p:sp>
+        <p:nvSpPr>
+          <p:cNvPr id="93" name="ZoneTexte 92">
+            <a:extLst>
+              <a:ext uri="{FF2B5EF4-FFF2-40B4-BE49-F238E27FC236}">
+                <a16:creationId xmlns:a16="http://schemas.microsoft.com/office/drawing/2014/main" id="{3FCB7566-F453-464F-80AE-3133D8C6F9D1}"/>
+              </a:ext>
+            </a:extLst>
+          </p:cNvPr>
+          <p:cNvSpPr txBox="1"/>
+          <p:nvPr/>
+        </p:nvSpPr>
+        <p:spPr>
+          <a:xfrm>
+            <a:off x="5975704" y="3800715"/>
+            <a:ext cx="349776" cy="276999"/>
+          </a:xfrm>
+          <a:prstGeom prst="rect">
+            <a:avLst/>
+          </a:prstGeom>
+          <a:noFill/>
+        </p:spPr>
+        <p:txBody>
+          <a:bodyPr wrap="none" rtlCol="0">
+            <a:spAutoFit/>
+          </a:bodyPr>
+          <a:lstStyle/>
+          <a:p>
+            <a:r>
+              <a:rPr lang="fr-FR" sz="1200" dirty="0">
+                <a:solidFill>
+                  <a:srgbClr val="FF0000"/>
+                </a:solidFill>
+              </a:rPr>
+              <a:t>5V</a:t>
+            </a:r>
+          </a:p>
+        </p:txBody>
+      </p:sp>
     </p:spTree>
     <p:extLst>
       <p:ext uri="{BB962C8B-B14F-4D97-AF65-F5344CB8AC3E}">
